--- a/פוסטר.pptx
+++ b/פוסטר.pptx
@@ -197,7 +197,7 @@
           <a:p>
             <a:fld id="{AC38C41F-545A-4F95-8640-6EB106C76EE2}" type="datetimeFigureOut">
               <a:rPr lang="en-US" smtClean="0"/>
-              <a:t>8/7/2021</a:t>
+              <a:t>8/22/2021</a:t>
             </a:fld>
             <a:endParaRPr lang="en-US"/>
           </a:p>
@@ -595,7 +595,7 @@
           <a:p>
             <a:fld id="{E38BEE92-798D-4698-81B3-55D15AC5311D}" type="datetimeFigureOut">
               <a:rPr lang="en-US" smtClean="0"/>
-              <a:t>8/7/2021</a:t>
+              <a:t>8/22/2021</a:t>
             </a:fld>
             <a:endParaRPr lang="en-US"/>
           </a:p>
@@ -765,7 +765,7 @@
           <a:p>
             <a:fld id="{E38BEE92-798D-4698-81B3-55D15AC5311D}" type="datetimeFigureOut">
               <a:rPr lang="en-US" smtClean="0"/>
-              <a:t>8/7/2021</a:t>
+              <a:t>8/22/2021</a:t>
             </a:fld>
             <a:endParaRPr lang="en-US"/>
           </a:p>
@@ -945,7 +945,7 @@
           <a:p>
             <a:fld id="{E38BEE92-798D-4698-81B3-55D15AC5311D}" type="datetimeFigureOut">
               <a:rPr lang="en-US" smtClean="0"/>
-              <a:t>8/7/2021</a:t>
+              <a:t>8/22/2021</a:t>
             </a:fld>
             <a:endParaRPr lang="en-US"/>
           </a:p>
@@ -1115,7 +1115,7 @@
           <a:p>
             <a:fld id="{E38BEE92-798D-4698-81B3-55D15AC5311D}" type="datetimeFigureOut">
               <a:rPr lang="en-US" smtClean="0"/>
-              <a:t>8/7/2021</a:t>
+              <a:t>8/22/2021</a:t>
             </a:fld>
             <a:endParaRPr lang="en-US"/>
           </a:p>
@@ -1359,7 +1359,7 @@
           <a:p>
             <a:fld id="{E38BEE92-798D-4698-81B3-55D15AC5311D}" type="datetimeFigureOut">
               <a:rPr lang="en-US" smtClean="0"/>
-              <a:t>8/7/2021</a:t>
+              <a:t>8/22/2021</a:t>
             </a:fld>
             <a:endParaRPr lang="en-US"/>
           </a:p>
@@ -1591,7 +1591,7 @@
           <a:p>
             <a:fld id="{E38BEE92-798D-4698-81B3-55D15AC5311D}" type="datetimeFigureOut">
               <a:rPr lang="en-US" smtClean="0"/>
-              <a:t>8/7/2021</a:t>
+              <a:t>8/22/2021</a:t>
             </a:fld>
             <a:endParaRPr lang="en-US"/>
           </a:p>
@@ -1958,7 +1958,7 @@
           <a:p>
             <a:fld id="{E38BEE92-798D-4698-81B3-55D15AC5311D}" type="datetimeFigureOut">
               <a:rPr lang="en-US" smtClean="0"/>
-              <a:t>8/7/2021</a:t>
+              <a:t>8/22/2021</a:t>
             </a:fld>
             <a:endParaRPr lang="en-US"/>
           </a:p>
@@ -2076,7 +2076,7 @@
           <a:p>
             <a:fld id="{E38BEE92-798D-4698-81B3-55D15AC5311D}" type="datetimeFigureOut">
               <a:rPr lang="en-US" smtClean="0"/>
-              <a:t>8/7/2021</a:t>
+              <a:t>8/22/2021</a:t>
             </a:fld>
             <a:endParaRPr lang="en-US"/>
           </a:p>
@@ -2171,7 +2171,7 @@
           <a:p>
             <a:fld id="{E38BEE92-798D-4698-81B3-55D15AC5311D}" type="datetimeFigureOut">
               <a:rPr lang="en-US" smtClean="0"/>
-              <a:t>8/7/2021</a:t>
+              <a:t>8/22/2021</a:t>
             </a:fld>
             <a:endParaRPr lang="en-US"/>
           </a:p>
@@ -2448,7 +2448,7 @@
           <a:p>
             <a:fld id="{E38BEE92-798D-4698-81B3-55D15AC5311D}" type="datetimeFigureOut">
               <a:rPr lang="en-US" smtClean="0"/>
-              <a:t>8/7/2021</a:t>
+              <a:t>8/22/2021</a:t>
             </a:fld>
             <a:endParaRPr lang="en-US"/>
           </a:p>
@@ -2705,7 +2705,7 @@
           <a:p>
             <a:fld id="{E38BEE92-798D-4698-81B3-55D15AC5311D}" type="datetimeFigureOut">
               <a:rPr lang="en-US" smtClean="0"/>
-              <a:t>8/7/2021</a:t>
+              <a:t>8/22/2021</a:t>
             </a:fld>
             <a:endParaRPr lang="en-US"/>
           </a:p>
@@ -2918,7 +2918,7 @@
           <a:p>
             <a:fld id="{E38BEE92-798D-4698-81B3-55D15AC5311D}" type="datetimeFigureOut">
               <a:rPr lang="en-US" smtClean="0"/>
-              <a:t>8/7/2021</a:t>
+              <a:t>8/22/2021</a:t>
             </a:fld>
             <a:endParaRPr lang="en-US"/>
           </a:p>
@@ -3354,8 +3354,8 @@
         </p:nvSpPr>
         <p:spPr>
           <a:xfrm>
-            <a:off x="-158433" y="0"/>
-            <a:ext cx="7016433" cy="680950"/>
+            <a:off x="0" y="0"/>
+            <a:ext cx="5351228" cy="680950"/>
           </a:xfrm>
           <a:prstGeom prst="rect">
             <a:avLst/>
@@ -3387,30 +3387,28 @@
           <a:p>
             <a:pPr algn="r" rtl="1"/>
             <a:r>
-              <a:rPr lang="he-IL" dirty="0"/>
-              <a:t>                                       </a:t>
-            </a:r>
-            <a:r>
-              <a:rPr lang="en-US" dirty="0"/>
-              <a:t>     </a:t>
-            </a:r>
-            <a:r>
-              <a:rPr lang="he-IL" sz="1050" dirty="0">
+              <a:rPr lang="he-IL" sz="1100" dirty="0">
                 <a:cs typeface="+mn-cs"/>
               </a:rPr>
               <a:t>המכללה האקדמית תל אביב –יפו   בית ספר למדעי המחשב </a:t>
             </a:r>
             <a:r>
-              <a:rPr lang="en-US" sz="1050" dirty="0">
+              <a:rPr lang="en-US" sz="1100" dirty="0">
                 <a:cs typeface="+mn-cs"/>
               </a:rPr>
               <a:t>                   </a:t>
             </a:r>
             <a:r>
-              <a:rPr lang="he-IL" sz="1050" dirty="0">
+              <a:rPr lang="he-IL" sz="1100" dirty="0">
                 <a:cs typeface="+mn-cs"/>
               </a:rPr>
-              <a:t>   מספר פרויקט:                                                                        </a:t>
+              <a:t>   מספר פרויקט:210112                                                                  שם הפרויקט: </a:t>
+            </a:r>
+            <a:r>
+              <a:rPr lang="en-US" sz="1100" dirty="0">
+                <a:cs typeface="+mn-cs"/>
+              </a:rPr>
+              <a:t>Makes</a:t>
             </a:r>
             <a:endParaRPr lang="he-IL" sz="1100" dirty="0">
               <a:cs typeface="+mn-cs"/>
@@ -3419,48 +3417,19 @@
           <a:p>
             <a:pPr algn="r" rtl="1"/>
             <a:r>
-              <a:rPr lang="he-IL" sz="1050" dirty="0">
+              <a:rPr lang="he-IL" sz="1100" dirty="0">
                 <a:cs typeface="+mn-cs"/>
               </a:rPr>
-              <a:t>                                             </a:t>
-            </a:r>
-            <a:r>
-              <a:rPr lang="en-US" sz="1050" dirty="0">
-                <a:cs typeface="+mn-cs"/>
-              </a:rPr>
-              <a:t>  </a:t>
-            </a:r>
-            <a:r>
-              <a:rPr lang="he-IL" sz="1050" dirty="0">
-                <a:cs typeface="+mn-cs"/>
-              </a:rPr>
-              <a:t> שם הפרויקט: </a:t>
-            </a:r>
-            <a:r>
-              <a:rPr lang="en-US" sz="1050" dirty="0">
-                <a:cs typeface="+mn-cs"/>
-              </a:rPr>
-              <a:t>Makes</a:t>
-            </a:r>
-            <a:br>
-              <a:rPr lang="he-IL" sz="1000" dirty="0">
-                <a:cs typeface="+mn-cs"/>
-              </a:rPr>
-            </a:br>
-            <a:r>
-              <a:rPr lang="he-IL" sz="1050" dirty="0">
-                <a:cs typeface="+mn-cs"/>
-              </a:rPr>
-              <a:t>                                                מגישים: ניר בר-לבב, עדי שץ, לילך </a:t>
-            </a:r>
-            <a:r>
-              <a:rPr lang="he-IL" sz="1050" dirty="0" err="1">
+              <a:t>מגישים: ניר בר-לבב, עדי שץ, לילך </a:t>
+            </a:r>
+            <a:r>
+              <a:rPr lang="he-IL" sz="1100" dirty="0" err="1">
                 <a:cs typeface="+mn-cs"/>
               </a:rPr>
               <a:t>בירנבאום</a:t>
             </a:r>
             <a:r>
-              <a:rPr lang="he-IL" sz="1050" dirty="0">
+              <a:rPr lang="he-IL" sz="1100" dirty="0">
                 <a:cs typeface="+mn-cs"/>
               </a:rPr>
               <a:t>, גבי סיון</a:t>
@@ -3469,30 +3438,18 @@
           <a:p>
             <a:pPr algn="r" rtl="1"/>
             <a:r>
-              <a:rPr lang="he-IL" sz="1050" dirty="0">
+              <a:rPr lang="he-IL" sz="1100" dirty="0">
                 <a:cs typeface="+mn-cs"/>
               </a:rPr>
-              <a:t>                                               </a:t>
-            </a:r>
-            <a:r>
-              <a:rPr lang="en-US" sz="1050" dirty="0">
-                <a:cs typeface="+mn-cs"/>
-              </a:rPr>
-              <a:t> </a:t>
-            </a:r>
-            <a:r>
-              <a:rPr lang="he-IL" sz="1050" dirty="0">
-                <a:cs typeface="+mn-cs"/>
-              </a:rPr>
-              <a:t> מנחה :  ד"ר אילן </a:t>
-            </a:r>
-            <a:r>
-              <a:rPr lang="he-IL" sz="1050" dirty="0" err="1">
+              <a:t>מנחה :  ד"ר אילן </a:t>
+            </a:r>
+            <a:r>
+              <a:rPr lang="he-IL" sz="1100" dirty="0" err="1">
                 <a:cs typeface="+mn-cs"/>
               </a:rPr>
               <a:t>קירש</a:t>
             </a:r>
-            <a:endParaRPr lang="en-US" sz="1050" dirty="0">
+            <a:endParaRPr lang="en-US" sz="1100" dirty="0">
               <a:cs typeface="+mn-cs"/>
             </a:endParaRPr>
           </a:p>
@@ -3520,8 +3477,8 @@
         </p:blipFill>
         <p:spPr>
           <a:xfrm>
-            <a:off x="5108296" y="7951"/>
-            <a:ext cx="1749704" cy="682811"/>
+            <a:off x="5213761" y="1265"/>
+            <a:ext cx="1654480" cy="682811"/>
           </a:xfrm>
           <a:prstGeom prst="rect">
             <a:avLst/>
@@ -3586,8 +3543,8 @@
         </p:nvSpPr>
         <p:spPr>
           <a:xfrm>
-            <a:off x="2877290" y="5479628"/>
-            <a:ext cx="2091193" cy="400110"/>
+            <a:off x="0" y="5498551"/>
+            <a:ext cx="1314923" cy="400110"/>
           </a:xfrm>
           <a:prstGeom prst="rect">
             <a:avLst/>
@@ -3623,8 +3580,8 @@
         </p:nvSpPr>
         <p:spPr>
           <a:xfrm>
-            <a:off x="3225197" y="6654556"/>
-            <a:ext cx="1645920" cy="400110"/>
+            <a:off x="-1" y="6745127"/>
+            <a:ext cx="1314923" cy="400110"/>
           </a:xfrm>
           <a:prstGeom prst="rect">
             <a:avLst/>
@@ -3660,8 +3617,8 @@
         </p:nvSpPr>
         <p:spPr>
           <a:xfrm>
-            <a:off x="4559079" y="8873449"/>
-            <a:ext cx="1584298" cy="707886"/>
+            <a:off x="4264823" y="8990155"/>
+            <a:ext cx="2034634" cy="707886"/>
           </a:xfrm>
           <a:prstGeom prst="rect">
             <a:avLst/>
@@ -3677,7 +3634,7 @@
             <a:pPr algn="ctr"/>
             <a:r>
               <a:rPr lang="he-IL" sz="2000" b="1" dirty="0"/>
-              <a:t>נקודות מפנה לסיפור</a:t>
+              <a:t>שנה את העלילה ע"י נקודת מפנה</a:t>
             </a:r>
             <a:endParaRPr lang="en-US" sz="2000" b="1" dirty="0"/>
           </a:p>
@@ -3712,22 +3669,57 @@
           <a:lstStyle/>
           <a:p>
             <a:r>
-              <a:rPr lang="en-US" sz="700" dirty="0"/>
+              <a:rPr lang="en-US" sz="700" dirty="0">
+                <a:solidFill>
+                  <a:schemeClr val="accent1">
+                    <a:lumMod val="20000"/>
+                    <a:lumOff val="80000"/>
+                  </a:schemeClr>
+                </a:solidFill>
+              </a:rPr>
               <a:t>Designed by </a:t>
             </a:r>
             <a:r>
-              <a:rPr lang="en-US" sz="700" dirty="0" err="1"/>
+              <a:rPr lang="en-US" sz="700" dirty="0" err="1">
+                <a:solidFill>
+                  <a:schemeClr val="accent1">
+                    <a:lumMod val="20000"/>
+                    <a:lumOff val="80000"/>
+                  </a:schemeClr>
+                </a:solidFill>
+              </a:rPr>
               <a:t>brgfx</a:t>
             </a:r>
             <a:r>
-              <a:rPr lang="en-US" sz="700" dirty="0"/>
+              <a:rPr lang="en-US" sz="700" dirty="0">
+                <a:solidFill>
+                  <a:schemeClr val="accent1">
+                    <a:lumMod val="20000"/>
+                    <a:lumOff val="80000"/>
+                  </a:schemeClr>
+                </a:solidFill>
+              </a:rPr>
               <a:t> / </a:t>
             </a:r>
             <a:r>
-              <a:rPr lang="en-US" sz="700" dirty="0" err="1"/>
+              <a:rPr lang="en-US" sz="700" dirty="0" err="1">
+                <a:solidFill>
+                  <a:schemeClr val="accent1">
+                    <a:lumMod val="20000"/>
+                    <a:lumOff val="80000"/>
+                  </a:schemeClr>
+                </a:solidFill>
+              </a:rPr>
               <a:t>Freepi</a:t>
             </a:r>
-            <a:endParaRPr lang="en-US" sz="700" dirty="0"/>
+            <a:endParaRPr lang="en-US" sz="700" dirty="0">
+              <a:solidFill>
+                <a:schemeClr val="accent1">
+                  <a:lumMod val="20000"/>
+                  <a:lumOff val="80000"/>
+                </a:schemeClr>
+              </a:solidFill>
+            </a:endParaRPr>
           </a:p>
         </p:txBody>
       </p:sp>
@@ -3745,8 +3737,8 @@
         </p:nvSpPr>
         <p:spPr>
           <a:xfrm>
-            <a:off x="116366" y="1915867"/>
-            <a:ext cx="6695508" cy="646331"/>
+            <a:off x="-1" y="1882446"/>
+            <a:ext cx="6811875" cy="584775"/>
           </a:xfrm>
           <a:prstGeom prst="rect">
             <a:avLst/>
@@ -3761,7 +3753,7 @@
           <a:p>
             <a:pPr algn="r"/>
             <a:r>
-              <a:rPr lang="he-IL" b="1" u="sng" dirty="0">
+              <a:rPr lang="he-IL" sz="1600" b="1" u="sng" dirty="0">
                 <a:solidFill>
                   <a:schemeClr val="tx1">
                     <a:lumMod val="75000"/>
@@ -3769,10 +3761,10 @@
                   </a:schemeClr>
                 </a:solidFill>
               </a:rPr>
-              <a:t>המטרה:</a:t>
-            </a:r>
-            <a:r>
-              <a:rPr lang="he-IL" b="1" dirty="0">
+              <a:t>המטרה: </a:t>
+            </a:r>
+            <a:r>
+              <a:rPr lang="he-IL" sz="1600" b="1" dirty="0">
                 <a:solidFill>
                   <a:schemeClr val="tx1">
                     <a:lumMod val="75000"/>
@@ -3780,9 +3772,9 @@
                   </a:schemeClr>
                 </a:solidFill>
               </a:rPr>
-              <a:t> לספק חווית קריאה שונה וייחודית לילד והורה המותאמת באופן אישי לכל ילד ובכך מאפשרת להם להתאהב מחדש בעולם הספרים.</a:t>
-            </a:r>
-            <a:endParaRPr lang="en-US" b="1" dirty="0">
+              <a:t>לאפשר להורים ליצור בקלות ובמהירות ספר המותאם אישית לילדיהם, ובכך גם לספק חווית קריאה מגוונת ומיוחדת לכל ילד על פי טעמו האישי.</a:t>
+            </a:r>
+            <a:endParaRPr lang="en-US" sz="1600" b="1" dirty="0">
               <a:solidFill>
                 <a:schemeClr val="tx1">
                   <a:lumMod val="75000"/>
@@ -3808,7 +3800,7 @@
         <p:spPr>
           <a:xfrm>
             <a:off x="131433" y="3670326"/>
-            <a:ext cx="1654480" cy="1448995"/>
+            <a:ext cx="1424432" cy="1448995"/>
           </a:xfrm>
           <a:prstGeom prst="roundRect">
             <a:avLst/>
@@ -3854,7 +3846,7 @@
                   <a:schemeClr val="tx1"/>
                 </a:solidFill>
               </a:rPr>
-              <a:t>Client performs an action on the site</a:t>
+              <a:t>Parent and kid choose a story  </a:t>
             </a:r>
           </a:p>
           <a:p>
@@ -3883,8 +3875,8 @@
         </p:nvSpPr>
         <p:spPr>
           <a:xfrm>
-            <a:off x="2526799" y="3680198"/>
-            <a:ext cx="1734565" cy="1451931"/>
+            <a:off x="2057405" y="3612887"/>
+            <a:ext cx="1874432" cy="1549255"/>
           </a:xfrm>
           <a:prstGeom prst="roundRect">
             <a:avLst/>
@@ -3923,39 +3915,36 @@
           <a:bodyPr rtlCol="0" anchor="ctr"/>
           <a:lstStyle/>
           <a:p>
+            <a:pPr algn="ctr"/>
             <a:r>
               <a:rPr lang="en-US" sz="1600" b="1" dirty="0">
                 <a:solidFill>
-                  <a:schemeClr val="tx1">
-                    <a:lumMod val="75000"/>
-                    <a:lumOff val="25000"/>
-                  </a:schemeClr>
+                  <a:schemeClr val="tx1"/>
                 </a:solidFill>
               </a:rPr>
-              <a:t>The client server (</a:t>
-            </a:r>
-            <a:r>
-              <a:rPr lang="en-US" sz="1600" b="1" dirty="0" err="1">
+              <a:t>Client</a:t>
+            </a:r>
+            <a:r>
+              <a:rPr lang="he-IL" sz="1600" b="1" dirty="0">
                 <a:solidFill>
-                  <a:schemeClr val="tx1">
-                    <a:lumMod val="75000"/>
-                    <a:lumOff val="25000"/>
-                  </a:schemeClr>
+                  <a:schemeClr val="tx1"/>
                 </a:solidFill>
               </a:rPr>
-              <a:t>nodeExpress</a:t>
+              <a:t> </a:t>
             </a:r>
             <a:r>
               <a:rPr lang="en-US" sz="1600" b="1" dirty="0">
                 <a:solidFill>
-                  <a:schemeClr val="tx1">
-                    <a:lumMod val="75000"/>
-                    <a:lumOff val="25000"/>
-                  </a:schemeClr>
+                  <a:schemeClr val="tx1"/>
                 </a:solidFill>
               </a:rPr>
-              <a:t>) sends request to the back server</a:t>
-            </a:r>
+              <a:t>(Express.js) sends request to the back server with the chosen book name.</a:t>
+            </a:r>
+            <a:endParaRPr lang="he-IL" sz="1600" b="1" dirty="0">
+              <a:solidFill>
+                <a:schemeClr val="tx1"/>
+              </a:solidFill>
+            </a:endParaRPr>
           </a:p>
           <a:p>
             <a:pPr algn="ctr"/>
@@ -3983,8 +3972,8 @@
         </p:nvSpPr>
         <p:spPr>
           <a:xfrm>
-            <a:off x="4959234" y="3684991"/>
-            <a:ext cx="1734565" cy="1451931"/>
+            <a:off x="4729162" y="3665591"/>
+            <a:ext cx="2139079" cy="1461189"/>
           </a:xfrm>
           <a:prstGeom prst="roundRect">
             <a:avLst/>
@@ -4026,13 +4015,10 @@
             <a:r>
               <a:rPr lang="en-US" sz="1600" b="1" dirty="0">
                 <a:solidFill>
-                  <a:schemeClr val="tx1">
-                    <a:lumMod val="75000"/>
-                    <a:lumOff val="25000"/>
-                  </a:schemeClr>
+                  <a:schemeClr val="tx1"/>
                 </a:solidFill>
               </a:rPr>
-              <a:t>The back server (spring boot) Retrieves information from the DB</a:t>
+              <a:t>The back-end server (Spring boot) retrieves the custom  book questionnaire from the DB.</a:t>
             </a:r>
           </a:p>
         </p:txBody>
@@ -4051,8 +4037,8 @@
         </p:nvSpPr>
         <p:spPr>
           <a:xfrm>
-            <a:off x="4968483" y="7307047"/>
-            <a:ext cx="1734565" cy="1293809"/>
+            <a:off x="3948061" y="6902872"/>
+            <a:ext cx="2917060" cy="1888676"/>
           </a:xfrm>
           <a:prstGeom prst="roundRect">
             <a:avLst/>
@@ -4094,13 +4080,10 @@
             <a:r>
               <a:rPr lang="en-US" sz="1600" b="1" dirty="0">
                 <a:solidFill>
-                  <a:schemeClr val="tx1">
-                    <a:lumMod val="75000"/>
-                    <a:lumOff val="25000"/>
-                  </a:schemeClr>
+                  <a:schemeClr val="tx1"/>
                 </a:solidFill>
               </a:rPr>
-              <a:t>The back server returns answer to the client server</a:t>
+              <a:t>The back-end server replaces all the annotations in the original text to the client’s answers, creates custom book from the new text and returns it to the client.</a:t>
             </a:r>
           </a:p>
           <a:p>
@@ -4129,8 +4112,8 @@
         </p:nvSpPr>
         <p:spPr>
           <a:xfrm>
-            <a:off x="4968483" y="5796783"/>
-            <a:ext cx="1734565" cy="890455"/>
+            <a:off x="4436272" y="5441657"/>
+            <a:ext cx="2375602" cy="1238941"/>
           </a:xfrm>
           <a:prstGeom prst="roundRect">
             <a:avLst/>
@@ -4172,13 +4155,26 @@
             <a:r>
               <a:rPr lang="en-US" sz="1600" b="1" dirty="0">
                 <a:solidFill>
-                  <a:schemeClr val="tx1">
-                    <a:lumMod val="75000"/>
-                    <a:lumOff val="25000"/>
-                  </a:schemeClr>
+                  <a:schemeClr val="tx1"/>
                 </a:solidFill>
               </a:rPr>
-              <a:t>Prosses the information</a:t>
+              <a:t>Parent and kid</a:t>
+            </a:r>
+            <a:r>
+              <a:rPr lang="he-IL" sz="1600" b="1" dirty="0">
+                <a:solidFill>
+                  <a:schemeClr val="tx1"/>
+                </a:solidFill>
+              </a:rPr>
+              <a:t> </a:t>
+            </a:r>
+            <a:r>
+              <a:rPr lang="en-US" sz="1600" b="1" dirty="0">
+                <a:solidFill>
+                  <a:schemeClr val="tx1"/>
+                </a:solidFill>
+              </a:rPr>
+              <a:t>fill out the questionnaire, the client sends the answers to the back server.</a:t>
             </a:r>
           </a:p>
           <a:p>
@@ -4641,8 +4637,8 @@
         </p:nvSpPr>
         <p:spPr>
           <a:xfrm>
-            <a:off x="3249527" y="7990133"/>
-            <a:ext cx="1584298" cy="400110"/>
+            <a:off x="13909" y="7775885"/>
+            <a:ext cx="1314923" cy="1015663"/>
           </a:xfrm>
           <a:prstGeom prst="rect">
             <a:avLst/>
@@ -4658,7 +4654,7 @@
             <a:pPr algn="ctr"/>
             <a:r>
               <a:rPr lang="he-IL" sz="2000" b="1" dirty="0"/>
-              <a:t>הסיפור</a:t>
+              <a:t>קרא סיפור מותאם אישית</a:t>
             </a:r>
             <a:endParaRPr lang="en-US" sz="2000" b="1" dirty="0"/>
           </a:p>
@@ -4674,15 +4670,16 @@
             </a:extLst>
           </p:cNvPr>
           <p:cNvCxnSpPr>
+            <a:cxnSpLocks/>
             <a:stCxn id="67" idx="3"/>
             <a:endCxn id="69" idx="1"/>
           </p:cNvCxnSpPr>
           <p:nvPr/>
         </p:nvCxnSpPr>
         <p:spPr>
-          <a:xfrm>
-            <a:off x="1785913" y="4394824"/>
-            <a:ext cx="740886" cy="11340"/>
+          <a:xfrm flipV="1">
+            <a:off x="1555865" y="4387515"/>
+            <a:ext cx="501540" cy="7309"/>
           </a:xfrm>
           <a:prstGeom prst="straightConnector1">
             <a:avLst/>
@@ -4716,6 +4713,7 @@
             </a:extLst>
           </p:cNvPr>
           <p:cNvCxnSpPr>
+            <a:cxnSpLocks/>
             <a:stCxn id="69" idx="3"/>
             <a:endCxn id="70" idx="1"/>
           </p:cNvCxnSpPr>
@@ -4723,8 +4721,8 @@
         </p:nvCxnSpPr>
         <p:spPr>
           <a:xfrm>
-            <a:off x="4261364" y="4406164"/>
-            <a:ext cx="697870" cy="4793"/>
+            <a:off x="3931837" y="4387515"/>
+            <a:ext cx="797325" cy="8671"/>
           </a:xfrm>
           <a:prstGeom prst="straightConnector1">
             <a:avLst/>
@@ -4758,15 +4756,15 @@
             </a:extLst>
           </p:cNvPr>
           <p:cNvCxnSpPr>
+            <a:cxnSpLocks/>
             <a:stCxn id="70" idx="2"/>
-            <a:endCxn id="72" idx="0"/>
           </p:cNvCxnSpPr>
           <p:nvPr/>
         </p:nvCxnSpPr>
         <p:spPr>
           <a:xfrm>
-            <a:off x="5826517" y="5136922"/>
-            <a:ext cx="9249" cy="659861"/>
+            <a:off x="5798702" y="5126780"/>
+            <a:ext cx="9261" cy="272593"/>
           </a:xfrm>
           <a:prstGeom prst="straightConnector1">
             <a:avLst/>
@@ -4803,15 +4801,14 @@
             </a:extLst>
           </p:cNvPr>
           <p:cNvCxnSpPr>
-            <a:stCxn id="72" idx="2"/>
-            <a:endCxn id="71" idx="0"/>
+            <a:cxnSpLocks/>
           </p:cNvCxnSpPr>
           <p:nvPr/>
         </p:nvCxnSpPr>
         <p:spPr>
           <a:xfrm>
-            <a:off x="5835766" y="6687238"/>
-            <a:ext cx="0" cy="619809"/>
+            <a:off x="5792497" y="6680598"/>
+            <a:ext cx="3119" cy="379088"/>
           </a:xfrm>
           <a:prstGeom prst="straightConnector1">
             <a:avLst/>
@@ -4852,8 +4849,8 @@
         </p:nvSpPr>
         <p:spPr>
           <a:xfrm>
-            <a:off x="46127" y="2494534"/>
-            <a:ext cx="6765748" cy="1200329"/>
+            <a:off x="46126" y="2428241"/>
+            <a:ext cx="6765748" cy="1107996"/>
           </a:xfrm>
           <a:prstGeom prst="rect">
             <a:avLst/>
@@ -4868,7 +4865,7 @@
           <a:p>
             <a:pPr algn="r"/>
             <a:r>
-              <a:rPr lang="he-IL" b="1" u="sng" dirty="0">
+              <a:rPr lang="he-IL" sz="1600" b="1" u="sng" dirty="0">
                 <a:solidFill>
                   <a:schemeClr val="bg2">
                     <a:lumMod val="25000"/>
@@ -4878,7 +4875,7 @@
               <a:t>מימוש</a:t>
             </a:r>
             <a:r>
-              <a:rPr lang="he-IL" dirty="0">
+              <a:rPr lang="he-IL" sz="1600" dirty="0">
                 <a:solidFill>
                   <a:schemeClr val="bg2">
                     <a:lumMod val="25000"/>
@@ -4887,31 +4884,38 @@
               </a:rPr>
               <a:t>:</a:t>
             </a:r>
+            <a:endParaRPr lang="he-IL" sz="1400" dirty="0">
+              <a:solidFill>
+                <a:schemeClr val="bg2">
+                  <a:lumMod val="25000"/>
+                </a:schemeClr>
+              </a:solidFill>
+            </a:endParaRPr>
           </a:p>
           <a:p>
             <a:pPr algn="r"/>
             <a:r>
-              <a:rPr lang="he-IL" b="1" dirty="0">
+              <a:rPr lang="he-IL" sz="1600" b="1" dirty="0">
                 <a:solidFill>
                   <a:schemeClr val="bg2">
                     <a:lumMod val="25000"/>
                   </a:schemeClr>
                 </a:solidFill>
               </a:rPr>
-              <a:t>הפלטפורמה מומשה בעזרת הטכנולוגיות הבאות:</a:t>
+              <a:t>הפלטפורמה מומשה באמצעות הטכנולוגיות הבאות:</a:t>
             </a:r>
           </a:p>
           <a:p>
             <a:pPr algn="r"/>
             <a:r>
-              <a:rPr lang="en-US" b="1" dirty="0">
+              <a:rPr lang="en-US" sz="1600" b="1" dirty="0">
                 <a:solidFill>
                   <a:schemeClr val="bg2">
                     <a:lumMod val="25000"/>
                   </a:schemeClr>
                 </a:solidFill>
               </a:rPr>
-              <a:t>Java, Spring, Maven, Docker, MongoDB, React.js, JavaScript, HTML, CSS, Node.js</a:t>
+              <a:t>Java, Spring, Maven, Docker, MongoDB, React.js, JavaScript, HTML, Express.js, CSS, Node.js</a:t>
             </a:r>
           </a:p>
         </p:txBody>
